--- a/slides/Azure Storage, Databases, and Azure Functions (Part 1).pptx
+++ b/slides/Azure Storage, Databases, and Azure Functions (Part 1).pptx
@@ -5,7 +5,7 @@
     <p:sldMasterId id="2147483686" r:id="rId1"/>
   </p:sldMasterIdLst>
   <p:notesMasterIdLst>
-    <p:notesMasterId r:id="rId36"/>
+    <p:notesMasterId r:id="rId38"/>
   </p:notesMasterIdLst>
   <p:sldIdLst>
     <p:sldId id="2147376981" r:id="rId2"/>
@@ -39,47 +39,49 @@
     <p:sldId id="2147376973" r:id="rId30"/>
     <p:sldId id="2147376933" r:id="rId31"/>
     <p:sldId id="2147376975" r:id="rId32"/>
-    <p:sldId id="2147376976" r:id="rId33"/>
-    <p:sldId id="2147376930" r:id="rId34"/>
-    <p:sldId id="269" r:id="rId35"/>
+    <p:sldId id="2147376986" r:id="rId33"/>
+    <p:sldId id="2147376987" r:id="rId34"/>
+    <p:sldId id="2147376976" r:id="rId35"/>
+    <p:sldId id="2147376930" r:id="rId36"/>
+    <p:sldId id="269" r:id="rId37"/>
   </p:sldIdLst>
   <p:sldSz cx="9144000" cy="5143500" type="screen16x9"/>
   <p:notesSz cx="6858000" cy="9144000"/>
   <p:embeddedFontLst>
     <p:embeddedFont>
       <p:font typeface="Helvetica Neue" panose="020B0604020202020204" charset="0"/>
-      <p:regular r:id="rId37"/>
-      <p:bold r:id="rId38"/>
-      <p:italic r:id="rId39"/>
-      <p:boldItalic r:id="rId40"/>
+      <p:regular r:id="rId39"/>
+      <p:bold r:id="rId40"/>
+      <p:italic r:id="rId41"/>
+      <p:boldItalic r:id="rId42"/>
     </p:embeddedFont>
     <p:embeddedFont>
       <p:font typeface="Helvetica Neue Light" panose="020B0604020202020204" charset="0"/>
-      <p:regular r:id="rId41"/>
-      <p:bold r:id="rId42"/>
-      <p:italic r:id="rId43"/>
-      <p:boldItalic r:id="rId44"/>
+      <p:regular r:id="rId43"/>
+      <p:bold r:id="rId44"/>
+      <p:italic r:id="rId45"/>
+      <p:boldItalic r:id="rId46"/>
     </p:embeddedFont>
     <p:embeddedFont>
       <p:font typeface="Montserrat" panose="00000500000000000000" pitchFamily="2" charset="0"/>
-      <p:regular r:id="rId45"/>
-      <p:bold r:id="rId46"/>
-      <p:italic r:id="rId47"/>
-      <p:boldItalic r:id="rId48"/>
+      <p:regular r:id="rId47"/>
+      <p:bold r:id="rId48"/>
+      <p:italic r:id="rId49"/>
+      <p:boldItalic r:id="rId50"/>
     </p:embeddedFont>
     <p:embeddedFont>
       <p:font typeface="Montserrat Medium" panose="00000600000000000000" pitchFamily="2" charset="0"/>
-      <p:regular r:id="rId49"/>
-      <p:bold r:id="rId50"/>
-      <p:italic r:id="rId51"/>
-      <p:boldItalic r:id="rId52"/>
+      <p:regular r:id="rId51"/>
+      <p:bold r:id="rId52"/>
+      <p:italic r:id="rId53"/>
+      <p:boldItalic r:id="rId54"/>
     </p:embeddedFont>
     <p:embeddedFont>
       <p:font typeface="Segoe UI" panose="020B0502040204020203" pitchFamily="34" charset="0"/>
-      <p:regular r:id="rId53"/>
-      <p:bold r:id="rId54"/>
-      <p:italic r:id="rId55"/>
-      <p:boldItalic r:id="rId56"/>
+      <p:regular r:id="rId55"/>
+      <p:bold r:id="rId56"/>
+      <p:italic r:id="rId57"/>
+      <p:boldItalic r:id="rId58"/>
     </p:embeddedFont>
   </p:embeddedFontLst>
   <p:defaultTextStyle>
@@ -14796,6 +14798,21 @@
               <a:t>Tradeoff again in terms of cost vs. capability (common)</a:t>
             </a:r>
           </a:p>
+          <a:p>
+            <a:pPr marL="158750" indent="0">
+              <a:buNone/>
+            </a:pPr>
+            <a:endParaRPr lang="en-US" dirty="0"/>
+          </a:p>
+          <a:p>
+            <a:pPr marL="158750" indent="0">
+              <a:buNone/>
+            </a:pPr>
+            <a:r>
+              <a:rPr lang="en-US" dirty="0"/>
+              <a:t>Walk through process of creating in portal</a:t>
+            </a:r>
+          </a:p>
         </p:txBody>
       </p:sp>
     </p:spTree>
@@ -14863,7 +14880,50 @@
             <a:pPr marL="158750" indent="0">
               <a:buNone/>
             </a:pPr>
+            <a:r>
+              <a:rPr lang="en-US" dirty="0"/>
+              <a:t>https://docs.microsoft.com/en-us/azure/postgresql/single-server/overview-postgres-choose-server-options</a:t>
+            </a:r>
+          </a:p>
+          <a:p>
+            <a:pPr marL="158750" indent="0">
+              <a:buNone/>
+            </a:pPr>
             <a:endParaRPr lang="en-US" dirty="0"/>
+          </a:p>
+          <a:p>
+            <a:pPr marL="158750" indent="0">
+              <a:buNone/>
+            </a:pPr>
+            <a:r>
+              <a:rPr lang="en-US" dirty="0"/>
+              <a:t>Compare costs </a:t>
+            </a:r>
+            <a:r>
+              <a:rPr lang="en-US" dirty="0">
+                <a:sym typeface="Wingdings" panose="05000000000000000000" pitchFamily="2" charset="2"/>
+              </a:rPr>
+              <a:t> https://azure.microsoft.com/en-us/pricing/calculator/</a:t>
+            </a:r>
+          </a:p>
+          <a:p>
+            <a:pPr marL="158750" indent="0">
+              <a:buNone/>
+            </a:pPr>
+            <a:endParaRPr lang="en-US" dirty="0">
+              <a:sym typeface="Wingdings" panose="05000000000000000000" pitchFamily="2" charset="2"/>
+            </a:endParaRPr>
+          </a:p>
+          <a:p>
+            <a:pPr marL="158750" indent="0">
+              <a:buNone/>
+            </a:pPr>
+            <a:r>
+              <a:rPr lang="en-US" dirty="0">
+                <a:sym typeface="Wingdings" panose="05000000000000000000" pitchFamily="2" charset="2"/>
+              </a:rPr>
+              <a:t>Walk through process of creating in portal + https://docs.microsoft.com/en-us/cli/azure/postgres/flexible-server/db?view=azure-cli-latest#az-postgres-flexible-server-db-create to create database</a:t>
+            </a:r>
           </a:p>
         </p:txBody>
       </p:sp>
@@ -14885,7 +14945,7 @@
   <p:cSld>
     <p:spTree>
       <p:nvGrpSpPr>
-        <p:cNvPr id="1" name="Shape 153"/>
+        <p:cNvPr id="1" name="Shape 782"/>
         <p:cNvGrpSpPr/>
         <p:nvPr/>
       </p:nvGrpSpPr>
@@ -14899,54 +14959,7 @@
       </p:grpSpPr>
       <p:sp>
         <p:nvSpPr>
-          <p:cNvPr id="154" name="Google Shape;154;g7f7681885d_1_26:notes"/>
-          <p:cNvSpPr txBox="1">
-            <a:spLocks noGrp="1"/>
-          </p:cNvSpPr>
-          <p:nvPr>
-            <p:ph type="body" idx="1"/>
-          </p:nvPr>
-        </p:nvSpPr>
-        <p:spPr>
-          <a:xfrm>
-            <a:off x="685800" y="4400550"/>
-            <a:ext cx="5486400" cy="3600600"/>
-          </a:xfrm>
-          <a:prstGeom prst="rect">
-            <a:avLst/>
-          </a:prstGeom>
-          <a:noFill/>
-          <a:ln>
-            <a:noFill/>
-          </a:ln>
-        </p:spPr>
-        <p:txBody>
-          <a:bodyPr spcFirstLastPara="1" wrap="square" lIns="91425" tIns="45700" rIns="91425" bIns="45700" anchor="t" anchorCtr="0">
-            <a:noAutofit/>
-          </a:bodyPr>
-          <a:lstStyle/>
-          <a:p>
-            <a:pPr marL="0" lvl="0" indent="0" algn="l" rtl="0">
-              <a:spcBef>
-                <a:spcPts val="0"/>
-              </a:spcBef>
-              <a:spcAft>
-                <a:spcPts val="0"/>
-              </a:spcAft>
-              <a:buClr>
-                <a:schemeClr val="dk1"/>
-              </a:buClr>
-              <a:buSzPts val="1400"/>
-              <a:buFont typeface="Arial"/>
-              <a:buNone/>
-            </a:pPr>
-            <a:endParaRPr dirty="0"/>
-          </a:p>
-        </p:txBody>
-      </p:sp>
-      <p:sp>
-        <p:nvSpPr>
-          <p:cNvPr id="155" name="Google Shape;155;g7f7681885d_1_26:notes"/>
+          <p:cNvPr id="783" name="Google Shape;783;g8c201d847e_0_49:notes"/>
           <p:cNvSpPr>
             <a:spLocks noGrp="1" noRot="1" noChangeAspect="1"/>
           </p:cNvSpPr>
@@ -14956,8 +14969,8 @@
         </p:nvSpPr>
         <p:spPr>
           <a:xfrm>
-            <a:off x="685800" y="1143000"/>
-            <a:ext cx="5486400" cy="3086100"/>
+            <a:off x="381000" y="685800"/>
+            <a:ext cx="6096000" cy="3429000"/>
           </a:xfrm>
           <a:custGeom>
             <a:avLst/>
@@ -14983,22 +14996,96 @@
               </a:path>
             </a:pathLst>
           </a:custGeom>
-          <a:noFill/>
-          <a:ln w="12700" cap="flat" cmpd="sng">
-            <a:solidFill>
-              <a:srgbClr val="000000"/>
-            </a:solidFill>
-            <a:prstDash val="solid"/>
-            <a:round/>
-            <a:headEnd type="none" w="sm" len="sm"/>
-            <a:tailEnd type="none" w="sm" len="sm"/>
-          </a:ln>
         </p:spPr>
+      </p:sp>
+      <p:sp>
+        <p:nvSpPr>
+          <p:cNvPr id="784" name="Google Shape;784;g8c201d847e_0_49:notes"/>
+          <p:cNvSpPr txBox="1">
+            <a:spLocks noGrp="1"/>
+          </p:cNvSpPr>
+          <p:nvPr>
+            <p:ph type="body" idx="1"/>
+          </p:nvPr>
+        </p:nvSpPr>
+        <p:spPr>
+          <a:xfrm>
+            <a:off x="685800" y="4343400"/>
+            <a:ext cx="5486400" cy="4114800"/>
+          </a:xfrm>
+          <a:prstGeom prst="rect">
+            <a:avLst/>
+          </a:prstGeom>
+        </p:spPr>
+        <p:txBody>
+          <a:bodyPr spcFirstLastPara="1" wrap="square" lIns="91425" tIns="91425" rIns="91425" bIns="91425" anchor="t" anchorCtr="0">
+            <a:noAutofit/>
+          </a:bodyPr>
+          <a:lstStyle/>
+          <a:p>
+            <a:pPr marL="0" lvl="0" indent="0" algn="l" rtl="0">
+              <a:spcBef>
+                <a:spcPts val="0"/>
+              </a:spcBef>
+              <a:spcAft>
+                <a:spcPts val="0"/>
+              </a:spcAft>
+              <a:buNone/>
+            </a:pPr>
+            <a:r>
+              <a:rPr lang="en-US" dirty="0"/>
+              <a:t>https://docs.microsoft.com/en-us/azure/app-service/tutorial-python-postgresql-app?toc=https%3A%2F%2Fdocs.microsoft.com%2Fen-us%2Fazure%2Fpostgresql%2Ftoc.json&amp;bc=https%3A%2F%2Fdocs.microsoft.com%2Fen-us%2Fazure%2Fbread%2Ftoc.json&amp;tabs=flask%2Cwindows%2Cazure-portal%2Cterminal-bash%2Cazure-portal-access%2Cvscode-aztools-deploy%2Cdeploy-instructions-azportal%2Cdeploy-instructions--zip-azcli%2Cdeploy-instructions-curl-bash</a:t>
+            </a:r>
+          </a:p>
+          <a:p>
+            <a:pPr marL="0" lvl="0" indent="0" algn="l" rtl="0">
+              <a:spcBef>
+                <a:spcPts val="0"/>
+              </a:spcBef>
+              <a:spcAft>
+                <a:spcPts val="0"/>
+              </a:spcAft>
+              <a:buNone/>
+            </a:pPr>
+            <a:endParaRPr lang="en-US" dirty="0"/>
+          </a:p>
+          <a:p>
+            <a:pPr marL="0" marR="0" lvl="0" indent="0" algn="l" defTabSz="914400" rtl="0" eaLnBrk="1" fontAlgn="auto" latinLnBrk="0" hangingPunct="1">
+              <a:lnSpc>
+                <a:spcPct val="100000"/>
+              </a:lnSpc>
+              <a:spcBef>
+                <a:spcPts val="0"/>
+              </a:spcBef>
+              <a:spcAft>
+                <a:spcPts val="0"/>
+              </a:spcAft>
+              <a:buClr>
+                <a:srgbClr val="000000"/>
+              </a:buClr>
+              <a:buSzPts val="1100"/>
+              <a:buFont typeface="Arial"/>
+              <a:buNone/>
+              <a:tabLst/>
+              <a:defRPr/>
+            </a:pPr>
+            <a:r>
+              <a:rPr lang="en-US" b="1" i="0" dirty="0">
+                <a:solidFill>
+                  <a:srgbClr val="E6E6E6"/>
+                </a:solidFill>
+                <a:effectLst/>
+                <a:latin typeface="Segoe UI" panose="020B0502040204020203" pitchFamily="34" charset="0"/>
+              </a:rPr>
+              <a:t>Deploy a Python (Django or Flask) web app with PostgreSQL in Azure</a:t>
+            </a:r>
+          </a:p>
+        </p:txBody>
       </p:sp>
     </p:spTree>
     <p:extLst>
       <p:ext uri="{BB962C8B-B14F-4D97-AF65-F5344CB8AC3E}">
-        <p14:creationId xmlns:p14="http://schemas.microsoft.com/office/powerpoint/2010/main" val="811047816"/>
+        <p14:creationId xmlns:p14="http://schemas.microsoft.com/office/powerpoint/2010/main" val="3843177141"/>
       </p:ext>
     </p:extLst>
   </p:cSld>
@@ -15102,6 +15189,301 @@
             </a:pPr>
             <a:r>
               <a:rPr lang="en-US" dirty="0"/>
+              <a:t>https://docs.microsoft.com/en-us/azure/developer/java/spring-framework/configure-spring-data-jdbc-with-azure-postgresql?toc=%2Fazure%2Fpostgresql%2Ftoc.json&amp;bc=%2Fazure%2Fbread%2Ftoc.json</a:t>
+            </a:r>
+          </a:p>
+          <a:p>
+            <a:pPr marL="0" lvl="0" indent="0" algn="l" rtl="0">
+              <a:spcBef>
+                <a:spcPts val="0"/>
+              </a:spcBef>
+              <a:spcAft>
+                <a:spcPts val="0"/>
+              </a:spcAft>
+              <a:buNone/>
+            </a:pPr>
+            <a:endParaRPr lang="en-US" dirty="0"/>
+          </a:p>
+          <a:p>
+            <a:pPr marL="0" marR="0" lvl="0" indent="0" algn="l" defTabSz="914400" rtl="0" eaLnBrk="1" fontAlgn="auto" latinLnBrk="0" hangingPunct="1">
+              <a:lnSpc>
+                <a:spcPct val="100000"/>
+              </a:lnSpc>
+              <a:spcBef>
+                <a:spcPts val="0"/>
+              </a:spcBef>
+              <a:spcAft>
+                <a:spcPts val="0"/>
+              </a:spcAft>
+              <a:buClr>
+                <a:srgbClr val="000000"/>
+              </a:buClr>
+              <a:buSzPts val="1100"/>
+              <a:buFont typeface="Arial"/>
+              <a:buNone/>
+              <a:tabLst/>
+              <a:defRPr/>
+            </a:pPr>
+            <a:r>
+              <a:rPr lang="en-US" b="1" i="0" dirty="0">
+                <a:solidFill>
+                  <a:srgbClr val="E6E6E6"/>
+                </a:solidFill>
+                <a:effectLst/>
+                <a:latin typeface="Segoe UI" panose="020B0502040204020203" pitchFamily="34" charset="0"/>
+              </a:rPr>
+              <a:t>Use Spring Data JDBC with Azure Database for PostgreSQL</a:t>
+            </a:r>
+          </a:p>
+          <a:p>
+            <a:pPr marL="0" lvl="0" indent="0" algn="l" rtl="0">
+              <a:spcBef>
+                <a:spcPts val="0"/>
+              </a:spcBef>
+              <a:spcAft>
+                <a:spcPts val="0"/>
+              </a:spcAft>
+              <a:buNone/>
+            </a:pPr>
+            <a:endParaRPr dirty="0"/>
+          </a:p>
+        </p:txBody>
+      </p:sp>
+    </p:spTree>
+    <p:extLst>
+      <p:ext uri="{BB962C8B-B14F-4D97-AF65-F5344CB8AC3E}">
+        <p14:creationId xmlns:p14="http://schemas.microsoft.com/office/powerpoint/2010/main" val="535955819"/>
+      </p:ext>
+    </p:extLst>
+  </p:cSld>
+  <p:clrMapOvr>
+    <a:masterClrMapping/>
+  </p:clrMapOvr>
+</p:notes>
+</file>
+
+<file path=ppt/notesSlides/notesSlide34.xml><?xml version="1.0" encoding="utf-8"?>
+<p:notes xmlns:a="http://schemas.openxmlformats.org/drawingml/2006/main" xmlns:r="http://schemas.openxmlformats.org/officeDocument/2006/relationships" xmlns:p="http://schemas.openxmlformats.org/presentationml/2006/main" showMasterSp="0" showMasterPhAnim="0">
+  <p:cSld>
+    <p:spTree>
+      <p:nvGrpSpPr>
+        <p:cNvPr id="1" name="Shape 153"/>
+        <p:cNvGrpSpPr/>
+        <p:nvPr/>
+      </p:nvGrpSpPr>
+      <p:grpSpPr>
+        <a:xfrm>
+          <a:off x="0" y="0"/>
+          <a:ext cx="0" cy="0"/>
+          <a:chOff x="0" y="0"/>
+          <a:chExt cx="0" cy="0"/>
+        </a:xfrm>
+      </p:grpSpPr>
+      <p:sp>
+        <p:nvSpPr>
+          <p:cNvPr id="154" name="Google Shape;154;g7f7681885d_1_26:notes"/>
+          <p:cNvSpPr txBox="1">
+            <a:spLocks noGrp="1"/>
+          </p:cNvSpPr>
+          <p:nvPr>
+            <p:ph type="body" idx="1"/>
+          </p:nvPr>
+        </p:nvSpPr>
+        <p:spPr>
+          <a:xfrm>
+            <a:off x="685800" y="4400550"/>
+            <a:ext cx="5486400" cy="3600600"/>
+          </a:xfrm>
+          <a:prstGeom prst="rect">
+            <a:avLst/>
+          </a:prstGeom>
+          <a:noFill/>
+          <a:ln>
+            <a:noFill/>
+          </a:ln>
+        </p:spPr>
+        <p:txBody>
+          <a:bodyPr spcFirstLastPara="1" wrap="square" lIns="91425" tIns="45700" rIns="91425" bIns="45700" anchor="t" anchorCtr="0">
+            <a:noAutofit/>
+          </a:bodyPr>
+          <a:lstStyle/>
+          <a:p>
+            <a:pPr marL="0" lvl="0" indent="0" algn="l" rtl="0">
+              <a:spcBef>
+                <a:spcPts val="0"/>
+              </a:spcBef>
+              <a:spcAft>
+                <a:spcPts val="0"/>
+              </a:spcAft>
+              <a:buClr>
+                <a:schemeClr val="dk1"/>
+              </a:buClr>
+              <a:buSzPts val="1400"/>
+              <a:buFont typeface="Arial"/>
+              <a:buNone/>
+            </a:pPr>
+            <a:endParaRPr dirty="0"/>
+          </a:p>
+        </p:txBody>
+      </p:sp>
+      <p:sp>
+        <p:nvSpPr>
+          <p:cNvPr id="155" name="Google Shape;155;g7f7681885d_1_26:notes"/>
+          <p:cNvSpPr>
+            <a:spLocks noGrp="1" noRot="1" noChangeAspect="1"/>
+          </p:cNvSpPr>
+          <p:nvPr>
+            <p:ph type="sldImg" idx="2"/>
+          </p:nvPr>
+        </p:nvSpPr>
+        <p:spPr>
+          <a:xfrm>
+            <a:off x="685800" y="1143000"/>
+            <a:ext cx="5486400" cy="3086100"/>
+          </a:xfrm>
+          <a:custGeom>
+            <a:avLst/>
+            <a:gdLst/>
+            <a:ahLst/>
+            <a:cxnLst/>
+            <a:rect l="l" t="t" r="r" b="b"/>
+            <a:pathLst>
+              <a:path w="120000" h="120000" extrusionOk="0">
+                <a:moveTo>
+                  <a:pt x="0" y="0"/>
+                </a:moveTo>
+                <a:lnTo>
+                  <a:pt x="120000" y="0"/>
+                </a:lnTo>
+                <a:lnTo>
+                  <a:pt x="120000" y="120000"/>
+                </a:lnTo>
+                <a:lnTo>
+                  <a:pt x="0" y="120000"/>
+                </a:lnTo>
+                <a:close/>
+              </a:path>
+            </a:pathLst>
+          </a:custGeom>
+          <a:noFill/>
+          <a:ln w="12700" cap="flat" cmpd="sng">
+            <a:solidFill>
+              <a:srgbClr val="000000"/>
+            </a:solidFill>
+            <a:prstDash val="solid"/>
+            <a:round/>
+            <a:headEnd type="none" w="sm" len="sm"/>
+            <a:tailEnd type="none" w="sm" len="sm"/>
+          </a:ln>
+        </p:spPr>
+      </p:sp>
+    </p:spTree>
+    <p:extLst>
+      <p:ext uri="{BB962C8B-B14F-4D97-AF65-F5344CB8AC3E}">
+        <p14:creationId xmlns:p14="http://schemas.microsoft.com/office/powerpoint/2010/main" val="811047816"/>
+      </p:ext>
+    </p:extLst>
+  </p:cSld>
+  <p:clrMapOvr>
+    <a:masterClrMapping/>
+  </p:clrMapOvr>
+</p:notes>
+</file>
+
+<file path=ppt/notesSlides/notesSlide35.xml><?xml version="1.0" encoding="utf-8"?>
+<p:notes xmlns:a="http://schemas.openxmlformats.org/drawingml/2006/main" xmlns:r="http://schemas.openxmlformats.org/officeDocument/2006/relationships" xmlns:p="http://schemas.openxmlformats.org/presentationml/2006/main" showMasterSp="0" showMasterPhAnim="0">
+  <p:cSld>
+    <p:spTree>
+      <p:nvGrpSpPr>
+        <p:cNvPr id="1" name="Shape 782"/>
+        <p:cNvGrpSpPr/>
+        <p:nvPr/>
+      </p:nvGrpSpPr>
+      <p:grpSpPr>
+        <a:xfrm>
+          <a:off x="0" y="0"/>
+          <a:ext cx="0" cy="0"/>
+          <a:chOff x="0" y="0"/>
+          <a:chExt cx="0" cy="0"/>
+        </a:xfrm>
+      </p:grpSpPr>
+      <p:sp>
+        <p:nvSpPr>
+          <p:cNvPr id="783" name="Google Shape;783;g8c201d847e_0_49:notes"/>
+          <p:cNvSpPr>
+            <a:spLocks noGrp="1" noRot="1" noChangeAspect="1"/>
+          </p:cNvSpPr>
+          <p:nvPr>
+            <p:ph type="sldImg" idx="2"/>
+          </p:nvPr>
+        </p:nvSpPr>
+        <p:spPr>
+          <a:xfrm>
+            <a:off x="381000" y="685800"/>
+            <a:ext cx="6096000" cy="3429000"/>
+          </a:xfrm>
+          <a:custGeom>
+            <a:avLst/>
+            <a:gdLst/>
+            <a:ahLst/>
+            <a:cxnLst/>
+            <a:rect l="l" t="t" r="r" b="b"/>
+            <a:pathLst>
+              <a:path w="120000" h="120000" extrusionOk="0">
+                <a:moveTo>
+                  <a:pt x="0" y="0"/>
+                </a:moveTo>
+                <a:lnTo>
+                  <a:pt x="120000" y="0"/>
+                </a:lnTo>
+                <a:lnTo>
+                  <a:pt x="120000" y="120000"/>
+                </a:lnTo>
+                <a:lnTo>
+                  <a:pt x="0" y="120000"/>
+                </a:lnTo>
+                <a:close/>
+              </a:path>
+            </a:pathLst>
+          </a:custGeom>
+        </p:spPr>
+      </p:sp>
+      <p:sp>
+        <p:nvSpPr>
+          <p:cNvPr id="784" name="Google Shape;784;g8c201d847e_0_49:notes"/>
+          <p:cNvSpPr txBox="1">
+            <a:spLocks noGrp="1"/>
+          </p:cNvSpPr>
+          <p:nvPr>
+            <p:ph type="body" idx="1"/>
+          </p:nvPr>
+        </p:nvSpPr>
+        <p:spPr>
+          <a:xfrm>
+            <a:off x="685800" y="4343400"/>
+            <a:ext cx="5486400" cy="4114800"/>
+          </a:xfrm>
+          <a:prstGeom prst="rect">
+            <a:avLst/>
+          </a:prstGeom>
+        </p:spPr>
+        <p:txBody>
+          <a:bodyPr spcFirstLastPara="1" wrap="square" lIns="91425" tIns="91425" rIns="91425" bIns="91425" anchor="t" anchorCtr="0">
+            <a:noAutofit/>
+          </a:bodyPr>
+          <a:lstStyle/>
+          <a:p>
+            <a:pPr marL="0" lvl="0" indent="0" algn="l" rtl="0">
+              <a:spcBef>
+                <a:spcPts val="0"/>
+              </a:spcBef>
+              <a:spcAft>
+                <a:spcPts val="0"/>
+              </a:spcAft>
+              <a:buNone/>
+            </a:pPr>
+            <a:r>
+              <a:rPr lang="en-US" dirty="0"/>
               <a:t>https://docs.microsoft.com/en-us/azure/storage/blobs/blob-upload-function-trigger?tabs=azure-portal</a:t>
             </a:r>
           </a:p>
@@ -15163,7 +15545,7 @@
 </p:notes>
 </file>
 
-<file path=ppt/notesSlides/notesSlide34.xml><?xml version="1.0" encoding="utf-8"?>
+<file path=ppt/notesSlides/notesSlide36.xml><?xml version="1.0" encoding="utf-8"?>
 <p:notes xmlns:a="http://schemas.openxmlformats.org/drawingml/2006/main" xmlns:r="http://schemas.openxmlformats.org/officeDocument/2006/relationships" xmlns:p="http://schemas.openxmlformats.org/presentationml/2006/main" showMasterSp="0" showMasterPhAnim="0">
   <p:cSld>
     <p:spTree>
@@ -39036,7 +39418,7 @@
             </a:pPr>
             <a:r>
               <a:rPr lang="en-US" dirty="0"/>
-              <a:t>PostgreSQL is another open-source database product</a:t>
+              <a:t>PostgreSQL is an open-source database product</a:t>
             </a:r>
           </a:p>
           <a:p>
@@ -39111,7 +39493,7 @@
             </a:pPr>
             <a:r>
               <a:rPr lang="en-US" dirty="0"/>
-              <a:t>As with MySQL, Azure’s service provides a fully managed instance of the DB platform</a:t>
+              <a:t>Azure’s service provides a fully managed instance of the DB platform</a:t>
             </a:r>
           </a:p>
         </p:txBody>
@@ -39407,6 +39789,336 @@
   <p:cSld>
     <p:spTree>
       <p:nvGrpSpPr>
+        <p:cNvPr id="1" name="Shape 785"/>
+        <p:cNvGrpSpPr/>
+        <p:nvPr/>
+      </p:nvGrpSpPr>
+      <p:grpSpPr>
+        <a:xfrm>
+          <a:off x="0" y="0"/>
+          <a:ext cx="0" cy="0"/>
+          <a:chOff x="0" y="0"/>
+          <a:chExt cx="0" cy="0"/>
+        </a:xfrm>
+      </p:grpSpPr>
+      <p:sp>
+        <p:nvSpPr>
+          <p:cNvPr id="6" name="Google Shape;157;p26">
+            <a:extLst>
+              <a:ext uri="{FF2B5EF4-FFF2-40B4-BE49-F238E27FC236}">
+                <a16:creationId xmlns:a16="http://schemas.microsoft.com/office/drawing/2014/main" id="{BF06FE0D-AFE5-4638-BB6C-629A9AAFD6CB}"/>
+              </a:ext>
+            </a:extLst>
+          </p:cNvPr>
+          <p:cNvSpPr txBox="1">
+            <a:spLocks noGrp="1"/>
+          </p:cNvSpPr>
+          <p:nvPr>
+            <p:ph type="title"/>
+          </p:nvPr>
+        </p:nvSpPr>
+        <p:spPr>
+          <a:prstGeom prst="rect">
+            <a:avLst/>
+          </a:prstGeom>
+          <a:noFill/>
+          <a:ln>
+            <a:noFill/>
+          </a:ln>
+        </p:spPr>
+        <p:txBody>
+          <a:bodyPr spcFirstLastPara="1" wrap="square" lIns="68569" tIns="34275" rIns="68569" bIns="34275" anchor="ctr" anchorCtr="0">
+            <a:noAutofit/>
+          </a:bodyPr>
+          <a:lstStyle/>
+          <a:p>
+            <a:pPr algn="l">
+              <a:buClr>
+                <a:srgbClr val="233445"/>
+              </a:buClr>
+              <a:buSzPts val="3200"/>
+            </a:pPr>
+            <a:r>
+              <a:rPr lang="en-US" dirty="0">
+                <a:latin typeface="Helvetica Neue"/>
+                <a:ea typeface="Helvetica Neue"/>
+                <a:cs typeface="Helvetica Neue"/>
+                <a:sym typeface="Helvetica Neue"/>
+              </a:rPr>
+              <a:t>Azure PostgreSQL</a:t>
+            </a:r>
+            <a:endParaRPr dirty="0">
+              <a:latin typeface="Helvetica Neue"/>
+              <a:ea typeface="Helvetica Neue"/>
+              <a:cs typeface="Helvetica Neue"/>
+              <a:sym typeface="Helvetica Neue"/>
+            </a:endParaRPr>
+          </a:p>
+        </p:txBody>
+      </p:sp>
+      <p:sp>
+        <p:nvSpPr>
+          <p:cNvPr id="4" name="Slide Number Placeholder 3">
+            <a:extLst>
+              <a:ext uri="{FF2B5EF4-FFF2-40B4-BE49-F238E27FC236}">
+                <a16:creationId xmlns:a16="http://schemas.microsoft.com/office/drawing/2014/main" id="{36CEE7F8-8739-4432-94B7-9824E6AEBBAD}"/>
+              </a:ext>
+            </a:extLst>
+          </p:cNvPr>
+          <p:cNvSpPr>
+            <a:spLocks noGrp="1"/>
+          </p:cNvSpPr>
+          <p:nvPr>
+            <p:ph type="sldNum" idx="12"/>
+          </p:nvPr>
+        </p:nvSpPr>
+        <p:spPr/>
+        <p:txBody>
+          <a:bodyPr/>
+          <a:lstStyle/>
+          <a:p>
+            <a:pPr algn="ctr"/>
+            <a:fld id="{00000000-1234-1234-1234-123412341234}" type="slidenum">
+              <a:rPr lang="en-US" smtClean="0"/>
+              <a:pPr algn="ctr"/>
+              <a:t>32</a:t>
+            </a:fld>
+            <a:endParaRPr lang="en-US" dirty="0"/>
+          </a:p>
+        </p:txBody>
+      </p:sp>
+      <p:sp>
+        <p:nvSpPr>
+          <p:cNvPr id="5" name="Flowchart: Alternate Process 4">
+            <a:extLst>
+              <a:ext uri="{FF2B5EF4-FFF2-40B4-BE49-F238E27FC236}">
+                <a16:creationId xmlns:a16="http://schemas.microsoft.com/office/drawing/2014/main" id="{AA7CF926-0795-BDFF-A9F3-161FCC174363}"/>
+              </a:ext>
+            </a:extLst>
+          </p:cNvPr>
+          <p:cNvSpPr/>
+          <p:nvPr/>
+        </p:nvSpPr>
+        <p:spPr>
+          <a:xfrm>
+            <a:off x="1956486" y="2176333"/>
+            <a:ext cx="5231027" cy="790833"/>
+          </a:xfrm>
+          <a:prstGeom prst="flowChartAlternateProcess">
+            <a:avLst/>
+          </a:prstGeom>
+        </p:spPr>
+        <p:style>
+          <a:lnRef idx="2">
+            <a:schemeClr val="accent1">
+              <a:shade val="50000"/>
+            </a:schemeClr>
+          </a:lnRef>
+          <a:fillRef idx="1">
+            <a:schemeClr val="accent1"/>
+          </a:fillRef>
+          <a:effectRef idx="0">
+            <a:schemeClr val="accent1"/>
+          </a:effectRef>
+          <a:fontRef idx="minor">
+            <a:schemeClr val="lt1"/>
+          </a:fontRef>
+        </p:style>
+        <p:txBody>
+          <a:bodyPr rtlCol="0" anchor="ctr"/>
+          <a:lstStyle/>
+          <a:p>
+            <a:pPr algn="ctr"/>
+            <a:r>
+              <a:rPr lang="en-US" dirty="0"/>
+              <a:t>Demo</a:t>
+            </a:r>
+          </a:p>
+        </p:txBody>
+      </p:sp>
+    </p:spTree>
+    <p:extLst>
+      <p:ext uri="{BB962C8B-B14F-4D97-AF65-F5344CB8AC3E}">
+        <p14:creationId xmlns:p14="http://schemas.microsoft.com/office/powerpoint/2010/main" val="852862021"/>
+      </p:ext>
+    </p:extLst>
+  </p:cSld>
+  <p:clrMapOvr>
+    <a:masterClrMapping/>
+  </p:clrMapOvr>
+</p:sld>
+</file>
+
+<file path=ppt/slides/slide33.xml><?xml version="1.0" encoding="utf-8"?>
+<p:sld xmlns:a="http://schemas.openxmlformats.org/drawingml/2006/main" xmlns:r="http://schemas.openxmlformats.org/officeDocument/2006/relationships" xmlns:p="http://schemas.openxmlformats.org/presentationml/2006/main">
+  <p:cSld>
+    <p:spTree>
+      <p:nvGrpSpPr>
+        <p:cNvPr id="1" name="Shape 785"/>
+        <p:cNvGrpSpPr/>
+        <p:nvPr/>
+      </p:nvGrpSpPr>
+      <p:grpSpPr>
+        <a:xfrm>
+          <a:off x="0" y="0"/>
+          <a:ext cx="0" cy="0"/>
+          <a:chOff x="0" y="0"/>
+          <a:chExt cx="0" cy="0"/>
+        </a:xfrm>
+      </p:grpSpPr>
+      <p:sp>
+        <p:nvSpPr>
+          <p:cNvPr id="6" name="Google Shape;157;p26">
+            <a:extLst>
+              <a:ext uri="{FF2B5EF4-FFF2-40B4-BE49-F238E27FC236}">
+                <a16:creationId xmlns:a16="http://schemas.microsoft.com/office/drawing/2014/main" id="{BF06FE0D-AFE5-4638-BB6C-629A9AAFD6CB}"/>
+              </a:ext>
+            </a:extLst>
+          </p:cNvPr>
+          <p:cNvSpPr txBox="1">
+            <a:spLocks noGrp="1"/>
+          </p:cNvSpPr>
+          <p:nvPr>
+            <p:ph type="title"/>
+          </p:nvPr>
+        </p:nvSpPr>
+        <p:spPr>
+          <a:prstGeom prst="rect">
+            <a:avLst/>
+          </a:prstGeom>
+          <a:noFill/>
+          <a:ln>
+            <a:noFill/>
+          </a:ln>
+        </p:spPr>
+        <p:txBody>
+          <a:bodyPr spcFirstLastPara="1" wrap="square" lIns="68569" tIns="34275" rIns="68569" bIns="34275" anchor="ctr" anchorCtr="0">
+            <a:noAutofit/>
+          </a:bodyPr>
+          <a:lstStyle/>
+          <a:p>
+            <a:pPr algn="l">
+              <a:buClr>
+                <a:srgbClr val="233445"/>
+              </a:buClr>
+              <a:buSzPts val="3200"/>
+            </a:pPr>
+            <a:r>
+              <a:rPr lang="en-US" dirty="0">
+                <a:latin typeface="Helvetica Neue"/>
+                <a:ea typeface="Helvetica Neue"/>
+                <a:cs typeface="Helvetica Neue"/>
+                <a:sym typeface="Helvetica Neue"/>
+              </a:rPr>
+              <a:t>Azure PostgreSQL</a:t>
+            </a:r>
+            <a:endParaRPr dirty="0">
+              <a:latin typeface="Helvetica Neue"/>
+              <a:ea typeface="Helvetica Neue"/>
+              <a:cs typeface="Helvetica Neue"/>
+              <a:sym typeface="Helvetica Neue"/>
+            </a:endParaRPr>
+          </a:p>
+        </p:txBody>
+      </p:sp>
+      <p:sp>
+        <p:nvSpPr>
+          <p:cNvPr id="4" name="Slide Number Placeholder 3">
+            <a:extLst>
+              <a:ext uri="{FF2B5EF4-FFF2-40B4-BE49-F238E27FC236}">
+                <a16:creationId xmlns:a16="http://schemas.microsoft.com/office/drawing/2014/main" id="{36CEE7F8-8739-4432-94B7-9824E6AEBBAD}"/>
+              </a:ext>
+            </a:extLst>
+          </p:cNvPr>
+          <p:cNvSpPr>
+            <a:spLocks noGrp="1"/>
+          </p:cNvSpPr>
+          <p:nvPr>
+            <p:ph type="sldNum" idx="12"/>
+          </p:nvPr>
+        </p:nvSpPr>
+        <p:spPr/>
+        <p:txBody>
+          <a:bodyPr/>
+          <a:lstStyle/>
+          <a:p>
+            <a:pPr algn="ctr"/>
+            <a:fld id="{00000000-1234-1234-1234-123412341234}" type="slidenum">
+              <a:rPr lang="en-US" smtClean="0"/>
+              <a:pPr algn="ctr"/>
+              <a:t>33</a:t>
+            </a:fld>
+            <a:endParaRPr lang="en-US" dirty="0"/>
+          </a:p>
+        </p:txBody>
+      </p:sp>
+      <p:sp>
+        <p:nvSpPr>
+          <p:cNvPr id="5" name="Flowchart: Alternate Process 4">
+            <a:extLst>
+              <a:ext uri="{FF2B5EF4-FFF2-40B4-BE49-F238E27FC236}">
+                <a16:creationId xmlns:a16="http://schemas.microsoft.com/office/drawing/2014/main" id="{AA7CF926-0795-BDFF-A9F3-161FCC174363}"/>
+              </a:ext>
+            </a:extLst>
+          </p:cNvPr>
+          <p:cNvSpPr/>
+          <p:nvPr/>
+        </p:nvSpPr>
+        <p:spPr>
+          <a:xfrm>
+            <a:off x="1956486" y="2176333"/>
+            <a:ext cx="5231027" cy="790833"/>
+          </a:xfrm>
+          <a:prstGeom prst="flowChartAlternateProcess">
+            <a:avLst/>
+          </a:prstGeom>
+        </p:spPr>
+        <p:style>
+          <a:lnRef idx="2">
+            <a:schemeClr val="accent1">
+              <a:shade val="50000"/>
+            </a:schemeClr>
+          </a:lnRef>
+          <a:fillRef idx="1">
+            <a:schemeClr val="accent1"/>
+          </a:fillRef>
+          <a:effectRef idx="0">
+            <a:schemeClr val="accent1"/>
+          </a:effectRef>
+          <a:fontRef idx="minor">
+            <a:schemeClr val="lt1"/>
+          </a:fontRef>
+        </p:style>
+        <p:txBody>
+          <a:bodyPr rtlCol="0" anchor="ctr"/>
+          <a:lstStyle/>
+          <a:p>
+            <a:pPr algn="ctr"/>
+            <a:r>
+              <a:rPr lang="en-US" dirty="0"/>
+              <a:t>Lab</a:t>
+            </a:r>
+          </a:p>
+        </p:txBody>
+      </p:sp>
+    </p:spTree>
+    <p:extLst>
+      <p:ext uri="{BB962C8B-B14F-4D97-AF65-F5344CB8AC3E}">
+        <p14:creationId xmlns:p14="http://schemas.microsoft.com/office/powerpoint/2010/main" val="3259668827"/>
+      </p:ext>
+    </p:extLst>
+  </p:cSld>
+  <p:clrMapOvr>
+    <a:masterClrMapping/>
+  </p:clrMapOvr>
+</p:sld>
+</file>
+
+<file path=ppt/slides/slide34.xml><?xml version="1.0" encoding="utf-8"?>
+<p:sld xmlns:a="http://schemas.openxmlformats.org/drawingml/2006/main" xmlns:r="http://schemas.openxmlformats.org/officeDocument/2006/relationships" xmlns:p="http://schemas.openxmlformats.org/presentationml/2006/main">
+  <p:cSld>
+    <p:spTree>
+      <p:nvGrpSpPr>
         <p:cNvPr id="1" name="Shape 156"/>
         <p:cNvGrpSpPr/>
         <p:nvPr/>
@@ -39497,7 +40209,7 @@
             <a:fld id="{00000000-1234-1234-1234-123412341234}" type="slidenum">
               <a:rPr lang="en-US"/>
               <a:pPr/>
-              <a:t>32</a:t>
+              <a:t>34</a:t>
             </a:fld>
             <a:endParaRPr/>
           </a:p>
@@ -39516,7 +40228,7 @@
 </p:sld>
 </file>
 
-<file path=ppt/slides/slide33.xml><?xml version="1.0" encoding="utf-8"?>
+<file path=ppt/slides/slide35.xml><?xml version="1.0" encoding="utf-8"?>
 <p:sld xmlns:a="http://schemas.openxmlformats.org/drawingml/2006/main" xmlns:r="http://schemas.openxmlformats.org/officeDocument/2006/relationships" xmlns:p="http://schemas.openxmlformats.org/presentationml/2006/main">
   <p:cSld>
     <p:spTree>
@@ -39613,7 +40325,7 @@
             <a:fld id="{00000000-1234-1234-1234-123412341234}" type="slidenum">
               <a:rPr lang="en-US" smtClean="0"/>
               <a:pPr algn="ctr"/>
-              <a:t>33</a:t>
+              <a:t>35</a:t>
             </a:fld>
             <a:endParaRPr lang="en-US" dirty="0"/>
           </a:p>
@@ -39681,7 +40393,7 @@
 </p:sld>
 </file>
 
-<file path=ppt/slides/slide34.xml><?xml version="1.0" encoding="utf-8"?>
+<file path=ppt/slides/slide36.xml><?xml version="1.0" encoding="utf-8"?>
 <p:sld xmlns:a="http://schemas.openxmlformats.org/drawingml/2006/main" xmlns:r="http://schemas.openxmlformats.org/officeDocument/2006/relationships" xmlns:p="http://schemas.openxmlformats.org/presentationml/2006/main">
   <p:cSld>
     <p:spTree>
